--- a/docs/NodeMCUonWindows.pptx
+++ b/docs/NodeMCUonWindows.pptx
@@ -115,6 +115,11 @@
       </a:defRPr>
     </a:lvl9pPr>
   </p:defaultTextStyle>
+  <p:extLst>
+    <p:ext uri="{EFAFB233-063F-42B5-8137-9DF3F51BA10A}">
+      <p15:sldGuideLst xmlns:p15="http://schemas.microsoft.com/office/powerpoint/2012/main"/>
+    </p:ext>
+  </p:extLst>
 </p:presentation>
 </file>
 
@@ -249,7 +254,7 @@
           <a:p>
             <a:fld id="{8BEFAF01-F243-43E3-9401-4BEA77835313}" type="datetimeFigureOut">
               <a:rPr lang="en-US" smtClean="0"/>
-              <a:t>9/21/2015</a:t>
+              <a:t>10/3/2015</a:t>
             </a:fld>
             <a:endParaRPr lang="en-US"/>
           </a:p>
@@ -419,7 +424,7 @@
           <a:p>
             <a:fld id="{8BEFAF01-F243-43E3-9401-4BEA77835313}" type="datetimeFigureOut">
               <a:rPr lang="en-US" smtClean="0"/>
-              <a:t>9/21/2015</a:t>
+              <a:t>10/3/2015</a:t>
             </a:fld>
             <a:endParaRPr lang="en-US"/>
           </a:p>
@@ -599,7 +604,7 @@
           <a:p>
             <a:fld id="{8BEFAF01-F243-43E3-9401-4BEA77835313}" type="datetimeFigureOut">
               <a:rPr lang="en-US" smtClean="0"/>
-              <a:t>9/21/2015</a:t>
+              <a:t>10/3/2015</a:t>
             </a:fld>
             <a:endParaRPr lang="en-US"/>
           </a:p>
@@ -769,7 +774,7 @@
           <a:p>
             <a:fld id="{8BEFAF01-F243-43E3-9401-4BEA77835313}" type="datetimeFigureOut">
               <a:rPr lang="en-US" smtClean="0"/>
-              <a:t>9/21/2015</a:t>
+              <a:t>10/3/2015</a:t>
             </a:fld>
             <a:endParaRPr lang="en-US"/>
           </a:p>
@@ -1015,7 +1020,7 @@
           <a:p>
             <a:fld id="{8BEFAF01-F243-43E3-9401-4BEA77835313}" type="datetimeFigureOut">
               <a:rPr lang="en-US" smtClean="0"/>
-              <a:t>9/21/2015</a:t>
+              <a:t>10/3/2015</a:t>
             </a:fld>
             <a:endParaRPr lang="en-US"/>
           </a:p>
@@ -1247,7 +1252,7 @@
           <a:p>
             <a:fld id="{8BEFAF01-F243-43E3-9401-4BEA77835313}" type="datetimeFigureOut">
               <a:rPr lang="en-US" smtClean="0"/>
-              <a:t>9/21/2015</a:t>
+              <a:t>10/3/2015</a:t>
             </a:fld>
             <a:endParaRPr lang="en-US"/>
           </a:p>
@@ -1614,7 +1619,7 @@
           <a:p>
             <a:fld id="{8BEFAF01-F243-43E3-9401-4BEA77835313}" type="datetimeFigureOut">
               <a:rPr lang="en-US" smtClean="0"/>
-              <a:t>9/21/2015</a:t>
+              <a:t>10/3/2015</a:t>
             </a:fld>
             <a:endParaRPr lang="en-US"/>
           </a:p>
@@ -1732,7 +1737,7 @@
           <a:p>
             <a:fld id="{8BEFAF01-F243-43E3-9401-4BEA77835313}" type="datetimeFigureOut">
               <a:rPr lang="en-US" smtClean="0"/>
-              <a:t>9/21/2015</a:t>
+              <a:t>10/3/2015</a:t>
             </a:fld>
             <a:endParaRPr lang="en-US"/>
           </a:p>
@@ -1827,7 +1832,7 @@
           <a:p>
             <a:fld id="{8BEFAF01-F243-43E3-9401-4BEA77835313}" type="datetimeFigureOut">
               <a:rPr lang="en-US" smtClean="0"/>
-              <a:t>9/21/2015</a:t>
+              <a:t>10/3/2015</a:t>
             </a:fld>
             <a:endParaRPr lang="en-US"/>
           </a:p>
@@ -2104,7 +2109,7 @@
           <a:p>
             <a:fld id="{8BEFAF01-F243-43E3-9401-4BEA77835313}" type="datetimeFigureOut">
               <a:rPr lang="en-US" smtClean="0"/>
-              <a:t>9/21/2015</a:t>
+              <a:t>10/3/2015</a:t>
             </a:fld>
             <a:endParaRPr lang="en-US"/>
           </a:p>
@@ -2357,7 +2362,7 @@
           <a:p>
             <a:fld id="{8BEFAF01-F243-43E3-9401-4BEA77835313}" type="datetimeFigureOut">
               <a:rPr lang="en-US" smtClean="0"/>
-              <a:t>9/21/2015</a:t>
+              <a:t>10/3/2015</a:t>
             </a:fld>
             <a:endParaRPr lang="en-US"/>
           </a:p>
@@ -2570,7 +2575,7 @@
           <a:p>
             <a:fld id="{8BEFAF01-F243-43E3-9401-4BEA77835313}" type="datetimeFigureOut">
               <a:rPr lang="en-US" smtClean="0"/>
-              <a:t>9/21/2015</a:t>
+              <a:t>10/3/2015</a:t>
             </a:fld>
             <a:endParaRPr lang="en-US"/>
           </a:p>
@@ -3121,7 +3126,9 @@
           <a:prstGeom prst="rect">
             <a:avLst/>
           </a:prstGeom>
-          <a:noFill/>
+          <a:solidFill>
+            <a:schemeClr val="bg1"/>
+          </a:solidFill>
         </p:spPr>
         <p:txBody>
           <a:bodyPr wrap="none" rtlCol="0">
@@ -3269,11 +3276,15 @@
           <a:p>
             <a:r>
               <a:rPr lang="en-US" dirty="0" smtClean="0"/>
-              <a:t>Click ‘save to ESP’ to write your file to the device.  Clicking ‘</a:t>
+              <a:t>Click ‘save to ESP’ to write your file to the device.  Clicking </a:t>
+            </a:r>
+            <a:r>
+              <a:rPr lang="en-US" dirty="0" smtClean="0"/>
+              <a:t>‘</a:t>
             </a:r>
             <a:r>
               <a:rPr lang="en-US" dirty="0" err="1" smtClean="0"/>
-              <a:t>saveandcompile</a:t>
+              <a:t>SaveAndCompile</a:t>
             </a:r>
             <a:r>
               <a:rPr lang="en-US" dirty="0" smtClean="0"/>
@@ -3369,7 +3380,15 @@
             </a:r>
             <a:r>
               <a:rPr lang="en-US" dirty="0" smtClean="0"/>
-              <a:t> language, which is c-like.  I made a few chunks of code for using </a:t>
+              <a:t> language, which is </a:t>
+            </a:r>
+            <a:r>
+              <a:rPr lang="en-US" dirty="0" smtClean="0"/>
+              <a:t>C-like</a:t>
+            </a:r>
+            <a:r>
+              <a:rPr lang="en-US" dirty="0" smtClean="0"/>
+              <a:t>.  I made a few chunks of code for using </a:t>
             </a:r>
             <a:r>
               <a:rPr lang="en-US" dirty="0" err="1" smtClean="0"/>
@@ -3605,7 +3624,7 @@
         <p:spPr>
           <a:xfrm>
             <a:off x="6242685" y="587931"/>
-            <a:ext cx="2819298" cy="923330"/>
+            <a:ext cx="5932393" cy="1754326"/>
           </a:xfrm>
           <a:prstGeom prst="rect">
             <a:avLst/>
@@ -3635,8 +3654,48 @@
           </a:p>
           <a:p>
             <a:r>
-              <a:rPr lang="en-US" dirty="0" smtClean="0"/>
-              <a:t>http://esp8266.ru/esplorer/</a:t>
+              <a:rPr lang="en-US" dirty="0" smtClean="0">
+                <a:hlinkClick r:id="rId3"/>
+              </a:rPr>
+              <a:t>http://esp8266.ru/esplorer</a:t>
+            </a:r>
+            <a:r>
+              <a:rPr lang="en-US" dirty="0" smtClean="0">
+                <a:hlinkClick r:id="rId3"/>
+              </a:rPr>
+              <a:t>/</a:t>
+            </a:r>
+            <a:endParaRPr lang="en-US" dirty="0" smtClean="0"/>
+          </a:p>
+          <a:p>
+            <a:endParaRPr lang="en-US" dirty="0"/>
+          </a:p>
+          <a:p>
+            <a:r>
+              <a:rPr lang="en-US" dirty="0" smtClean="0"/>
+              <a:t>Or from the </a:t>
+            </a:r>
+            <a:r>
+              <a:rPr lang="en-US" dirty="0" err="1" smtClean="0">
+                <a:hlinkClick r:id="rId4"/>
+              </a:rPr>
+              <a:t>github</a:t>
+            </a:r>
+            <a:r>
+              <a:rPr lang="en-US" dirty="0" smtClean="0">
+                <a:hlinkClick r:id="rId4"/>
+              </a:rPr>
+              <a:t> page</a:t>
+            </a:r>
+            <a:r>
+              <a:rPr lang="en-US" dirty="0" smtClean="0"/>
+              <a:t>, though I’ve always used the Russian</a:t>
+            </a:r>
+          </a:p>
+          <a:p>
+            <a:r>
+              <a:rPr lang="en-US" dirty="0" smtClean="0"/>
+              <a:t>Link.</a:t>
             </a:r>
           </a:p>
         </p:txBody>
@@ -3650,7 +3709,7 @@
           <p:nvPr/>
         </p:nvPicPr>
         <p:blipFill>
-          <a:blip r:embed="rId3"/>
+          <a:blip r:embed="rId5"/>
           <a:stretch>
             <a:fillRect/>
           </a:stretch>
@@ -3787,8 +3846,8 @@
         </p:nvCxnSpPr>
         <p:spPr>
           <a:xfrm flipH="1">
-            <a:off x="5080000" y="381941"/>
-            <a:ext cx="1843314" cy="763752"/>
+            <a:off x="5080000" y="643944"/>
+            <a:ext cx="1378611" cy="501749"/>
           </a:xfrm>
           <a:prstGeom prst="straightConnector1">
             <a:avLst/>
@@ -3823,7 +3882,7 @@
         </p:nvSpPr>
         <p:spPr>
           <a:xfrm>
-            <a:off x="7126514" y="261257"/>
+            <a:off x="6458611" y="304360"/>
             <a:ext cx="5806205" cy="1200329"/>
           </a:xfrm>
           <a:prstGeom prst="rect">
@@ -4157,7 +4216,15 @@
           <a:p>
             <a:r>
               <a:rPr lang="en-US" dirty="0" smtClean="0"/>
-              <a:t>in the bottom right, otherwise, once the status bar</a:t>
+              <a:t>in the bottom </a:t>
+            </a:r>
+            <a:r>
+              <a:rPr lang="en-US" dirty="0" smtClean="0"/>
+              <a:t>left, </a:t>
+            </a:r>
+            <a:r>
+              <a:rPr lang="en-US" dirty="0" smtClean="0"/>
+              <a:t>otherwise, once the status bar</a:t>
             </a:r>
           </a:p>
           <a:p>
@@ -4394,7 +4461,7 @@
         </p:nvSpPr>
         <p:spPr>
           <a:xfrm>
-            <a:off x="7126514" y="261257"/>
+            <a:off x="7126514" y="171104"/>
             <a:ext cx="5161093" cy="1200329"/>
           </a:xfrm>
           <a:prstGeom prst="rect">
@@ -4662,13 +4729,15 @@
         </p:nvSpPr>
         <p:spPr>
           <a:xfrm>
-            <a:off x="7126514" y="261257"/>
+            <a:off x="6928251" y="274136"/>
             <a:ext cx="5263749" cy="1200329"/>
           </a:xfrm>
           <a:prstGeom prst="rect">
             <a:avLst/>
           </a:prstGeom>
-          <a:noFill/>
+          <a:solidFill>
+            <a:schemeClr val="bg1"/>
+          </a:solidFill>
         </p:spPr>
         <p:txBody>
           <a:bodyPr wrap="none" rtlCol="0">
